--- a/Teste Volume.pptx
+++ b/Teste Volume.pptx
@@ -273,7 +273,7 @@
           <a:p>
             <a:fld id="{C43A76A3-ADC8-4477-8FC1-B9DD55D84908}" type="datetime1">
               <a:rPr lang="en-US" smtClean="0"/>
-              <a:t>10/26/2025</a:t>
+              <a:t>10/27/2025</a:t>
             </a:fld>
             <a:endParaRPr lang="en-US" dirty="0"/>
           </a:p>
@@ -471,7 +471,7 @@
           <a:p>
             <a:fld id="{D6762538-DC4D-4667-96E5-B3278DDF8B12}" type="datetime1">
               <a:rPr lang="en-US" smtClean="0"/>
-              <a:t>10/26/2025</a:t>
+              <a:t>10/27/2025</a:t>
             </a:fld>
             <a:endParaRPr lang="en-US"/>
           </a:p>
@@ -679,7 +679,7 @@
           <a:p>
             <a:fld id="{05880548-5C08-4BE3-B63E-F2BB63B0B00C}" type="datetime1">
               <a:rPr lang="en-US" smtClean="0"/>
-              <a:t>10/26/2025</a:t>
+              <a:t>10/27/2025</a:t>
             </a:fld>
             <a:endParaRPr lang="en-US"/>
           </a:p>
@@ -877,7 +877,7 @@
           <a:p>
             <a:fld id="{DE7F49BE-398D-479A-8A7E-5DDBCA61EDCB}" type="datetime1">
               <a:rPr lang="en-US" smtClean="0"/>
-              <a:t>10/26/2025</a:t>
+              <a:t>10/27/2025</a:t>
             </a:fld>
             <a:endParaRPr lang="en-US"/>
           </a:p>
@@ -1153,7 +1153,7 @@
           <a:p>
             <a:fld id="{CCD0C193-4974-4A1F-9C63-07D595E30D66}" type="datetime1">
               <a:rPr lang="en-US" smtClean="0"/>
-              <a:t>10/26/2025</a:t>
+              <a:t>10/27/2025</a:t>
             </a:fld>
             <a:endParaRPr lang="en-US"/>
           </a:p>
@@ -1420,7 +1420,7 @@
           <a:p>
             <a:fld id="{701AA87F-28D4-4BF0-B81F-877A89DFD5AC}" type="datetime1">
               <a:rPr lang="en-US" smtClean="0"/>
-              <a:t>10/26/2025</a:t>
+              <a:t>10/27/2025</a:t>
             </a:fld>
             <a:endParaRPr lang="en-US"/>
           </a:p>
@@ -1834,7 +1834,7 @@
           <a:p>
             <a:fld id="{A8A9F1F3-208B-49A3-B337-9C8ACEB3E0E1}" type="datetime1">
               <a:rPr lang="en-US" smtClean="0"/>
-              <a:t>10/26/2025</a:t>
+              <a:t>10/27/2025</a:t>
             </a:fld>
             <a:endParaRPr lang="en-US"/>
           </a:p>
@@ -1981,7 +1981,7 @@
           <a:p>
             <a:fld id="{27AF6CA6-7293-4AA2-A0E0-A3BF4416E786}" type="datetime1">
               <a:rPr lang="en-US" smtClean="0"/>
-              <a:t>10/26/2025</a:t>
+              <a:t>10/27/2025</a:t>
             </a:fld>
             <a:endParaRPr lang="en-US"/>
           </a:p>
@@ -2094,7 +2094,7 @@
           <a:p>
             <a:fld id="{98D87016-7BCD-46FB-8EE3-AB6C369108B4}" type="datetime1">
               <a:rPr lang="en-US" smtClean="0"/>
-              <a:t>10/26/2025</a:t>
+              <a:t>10/27/2025</a:t>
             </a:fld>
             <a:endParaRPr lang="en-US"/>
           </a:p>
@@ -2413,7 +2413,7 @@
           <a:p>
             <a:fld id="{A1547011-1FFC-4EF8-9A2E-53B4AD2ADBD4}" type="datetime1">
               <a:rPr lang="en-US" smtClean="0"/>
-              <a:t>10/26/2025</a:t>
+              <a:t>10/27/2025</a:t>
             </a:fld>
             <a:endParaRPr lang="en-US"/>
           </a:p>
@@ -2708,7 +2708,7 @@
           <a:p>
             <a:fld id="{9562EB47-45B4-4EF5-A743-B4885DD2F060}" type="datetime1">
               <a:rPr lang="en-US" smtClean="0"/>
-              <a:t>10/26/2025</a:t>
+              <a:t>10/27/2025</a:t>
             </a:fld>
             <a:endParaRPr lang="en-US"/>
           </a:p>
@@ -4093,7 +4093,7 @@
           <a:p>
             <a:fld id="{4A8D24A4-5FEC-4062-8995-EB21925B3B40}" type="datetime1">
               <a:rPr lang="en-US" smtClean="0"/>
-              <a:t>10/26/2025</a:t>
+              <a:t>10/27/2025</a:t>
             </a:fld>
             <a:endParaRPr lang="en-US" sz="1000" dirty="0"/>
           </a:p>
@@ -5654,7 +5654,7 @@
         </p:blipFill>
         <p:spPr>
           <a:xfrm>
-            <a:off x="1525" y="10"/>
+            <a:off x="1525" y="82299"/>
             <a:ext cx="12188951" cy="6857990"/>
           </a:xfrm>
           <a:prstGeom prst="rect">
@@ -6292,18 +6292,70 @@
                 <a:solidFill>
                   <a:schemeClr val="bg1"/>
                 </a:solidFill>
-                <a:ea typeface="+mn-lt"/>
-                <a:cs typeface="+mn-lt"/>
               </a:rPr>
-              <a:t>Teste de Volume é um tipo de Teste de Software, onde o software é submetido a um grande volume de dados. Também é referido como testes de inundação. O teste de volume é feito para analisar o desempenho do sistema, aumentando o volume de dados no banco de dados.</a:t>
-            </a:r>
-            <a:endParaRPr lang="pt-BR" dirty="0">
-              <a:solidFill>
-                <a:schemeClr val="bg1"/>
-              </a:solidFill>
-            </a:endParaRPr>
-          </a:p>
-          <a:p>
+              <a:t>O teste de volume submete o software a grandes volumes de dados.</a:t>
+            </a:r>
+            <a:br>
+              <a:rPr lang="pt-BR" dirty="0">
+                <a:solidFill>
+                  <a:schemeClr val="bg1"/>
+                </a:solidFill>
+              </a:rPr>
+            </a:br>
+            <a:r>
+              <a:rPr lang="pt-BR" dirty="0">
+                <a:solidFill>
+                  <a:schemeClr val="bg1"/>
+                </a:solidFill>
+              </a:rPr>
+              <a:t>Também é chamado de teste de inundação.</a:t>
+            </a:r>
+            <a:br>
+              <a:rPr lang="pt-BR" dirty="0">
+                <a:solidFill>
+                  <a:schemeClr val="bg1"/>
+                </a:solidFill>
+              </a:rPr>
+            </a:br>
+            <a:r>
+              <a:rPr lang="pt-BR" dirty="0">
+                <a:solidFill>
+                  <a:schemeClr val="bg1"/>
+                </a:solidFill>
+              </a:rPr>
+              <a:t>Avalia o desempenho do sistema sob alta carga de informações.</a:t>
+            </a:r>
+            <a:br>
+              <a:rPr lang="pt-BR" dirty="0">
+                <a:solidFill>
+                  <a:schemeClr val="bg1"/>
+                </a:solidFill>
+              </a:rPr>
+            </a:br>
+            <a:r>
+              <a:rPr lang="pt-BR" dirty="0">
+                <a:solidFill>
+                  <a:schemeClr val="bg1"/>
+                </a:solidFill>
+              </a:rPr>
+              <a:t>Foca no comportamento do </a:t>
+            </a:r>
+            <a:r>
+              <a:rPr lang="pt-BR" u="sng" dirty="0">
+                <a:solidFill>
+                  <a:schemeClr val="bg1"/>
+                </a:solidFill>
+              </a:rPr>
+              <a:t>banco</a:t>
+            </a:r>
+            <a:r>
+              <a:rPr lang="pt-BR" dirty="0">
+                <a:solidFill>
+                  <a:schemeClr val="bg1"/>
+                </a:solidFill>
+              </a:rPr>
+              <a:t> de dados e processamento de dados.</a:t>
+            </a:r>
             <a:endParaRPr lang="de-DE" dirty="0">
               <a:solidFill>
                 <a:schemeClr val="bg1"/>
@@ -7131,351 +7183,65 @@
           </a:bodyPr>
           <a:lstStyle/>
           <a:p>
-            <a:endParaRPr lang="pt-BR"/>
-          </a:p>
-          <a:p>
-            <a:endParaRPr lang="de-DE"/>
-          </a:p>
-          <a:p>
-            <a:r>
-              <a:rPr lang="de-DE" dirty="0" err="1">
+            <a:endParaRPr lang="pt-BR" dirty="0">
+              <a:solidFill>
+                <a:schemeClr val="bg1"/>
+              </a:solidFill>
+            </a:endParaRPr>
+          </a:p>
+          <a:p>
+            <a:r>
+              <a:rPr lang="pt-BR" dirty="0">
                 <a:solidFill>
                   <a:schemeClr val="bg1"/>
                 </a:solidFill>
-                <a:ea typeface="+mn-lt"/>
-                <a:cs typeface="+mn-lt"/>
               </a:rPr>
-              <a:t>Com</a:t>
-            </a:r>
-            <a:r>
-              <a:rPr lang="de-DE" dirty="0">
+              <a:t>O teste de volume analisa o desempenho do sistema com muitos dados.</a:t>
+            </a:r>
+            <a:br>
+              <a:rPr lang="pt-BR" dirty="0">
                 <a:solidFill>
                   <a:schemeClr val="bg1"/>
                 </a:solidFill>
-                <a:ea typeface="+mn-lt"/>
-                <a:cs typeface="+mn-lt"/>
               </a:rPr>
-              <a:t> a </a:t>
-            </a:r>
-            <a:r>
-              <a:rPr lang="de-DE" dirty="0" err="1">
+            </a:br>
+            <a:r>
+              <a:rPr lang="pt-BR" dirty="0">
                 <a:solidFill>
                   <a:schemeClr val="bg1"/>
                 </a:solidFill>
-                <a:ea typeface="+mn-lt"/>
-                <a:cs typeface="+mn-lt"/>
               </a:rPr>
-              <a:t>ajuda</a:t>
-            </a:r>
-            <a:r>
-              <a:rPr lang="de-DE" dirty="0">
+              <a:t>Permite estudar o impacto no tempo de resposta.</a:t>
+            </a:r>
+            <a:br>
+              <a:rPr lang="pt-BR" dirty="0">
                 <a:solidFill>
                   <a:schemeClr val="bg1"/>
                 </a:solidFill>
-                <a:ea typeface="+mn-lt"/>
-                <a:cs typeface="+mn-lt"/>
               </a:rPr>
-              <a:t> do teste de </a:t>
-            </a:r>
-            <a:r>
-              <a:rPr lang="de-DE" dirty="0" err="1">
+            </a:br>
+            <a:r>
+              <a:rPr lang="pt-BR" dirty="0">
                 <a:solidFill>
                   <a:schemeClr val="bg1"/>
                 </a:solidFill>
-                <a:ea typeface="+mn-lt"/>
-                <a:cs typeface="+mn-lt"/>
               </a:rPr>
-              <a:t>volume</a:t>
-            </a:r>
-            <a:r>
-              <a:rPr lang="de-DE" dirty="0">
+              <a:t>Avalia como o sistema se comporta sob alta carga de informações.</a:t>
+            </a:r>
+            <a:br>
+              <a:rPr lang="pt-BR" dirty="0">
                 <a:solidFill>
                   <a:schemeClr val="bg1"/>
                 </a:solidFill>
-                <a:ea typeface="+mn-lt"/>
-                <a:cs typeface="+mn-lt"/>
               </a:rPr>
-              <a:t>, o </a:t>
-            </a:r>
-            <a:r>
-              <a:rPr lang="de-DE" dirty="0" err="1">
+            </a:br>
+            <a:r>
+              <a:rPr lang="pt-BR" dirty="0">
                 <a:solidFill>
                   <a:schemeClr val="bg1"/>
                 </a:solidFill>
-                <a:ea typeface="+mn-lt"/>
-                <a:cs typeface="+mn-lt"/>
               </a:rPr>
-              <a:t>impacto</a:t>
-            </a:r>
-            <a:r>
-              <a:rPr lang="de-DE" dirty="0">
-                <a:solidFill>
-                  <a:schemeClr val="bg1"/>
-                </a:solidFill>
-                <a:ea typeface="+mn-lt"/>
-                <a:cs typeface="+mn-lt"/>
-              </a:rPr>
-              <a:t> </a:t>
-            </a:r>
-            <a:r>
-              <a:rPr lang="de-DE" dirty="0" err="1">
-                <a:solidFill>
-                  <a:schemeClr val="bg1"/>
-                </a:solidFill>
-                <a:ea typeface="+mn-lt"/>
-                <a:cs typeface="+mn-lt"/>
-              </a:rPr>
-              <a:t>no</a:t>
-            </a:r>
-            <a:r>
-              <a:rPr lang="de-DE" dirty="0">
-                <a:solidFill>
-                  <a:schemeClr val="bg1"/>
-                </a:solidFill>
-                <a:ea typeface="+mn-lt"/>
-                <a:cs typeface="+mn-lt"/>
-              </a:rPr>
-              <a:t> tempo de </a:t>
-            </a:r>
-            <a:r>
-              <a:rPr lang="de-DE" dirty="0" err="1">
-                <a:solidFill>
-                  <a:schemeClr val="bg1"/>
-                </a:solidFill>
-                <a:ea typeface="+mn-lt"/>
-                <a:cs typeface="+mn-lt"/>
-              </a:rPr>
-              <a:t>resposta</a:t>
-            </a:r>
-            <a:r>
-              <a:rPr lang="de-DE" dirty="0">
-                <a:solidFill>
-                  <a:schemeClr val="bg1"/>
-                </a:solidFill>
-                <a:ea typeface="+mn-lt"/>
-                <a:cs typeface="+mn-lt"/>
-              </a:rPr>
-              <a:t> e </a:t>
-            </a:r>
-            <a:r>
-              <a:rPr lang="de-DE" dirty="0" err="1">
-                <a:solidFill>
-                  <a:schemeClr val="bg1"/>
-                </a:solidFill>
-                <a:ea typeface="+mn-lt"/>
-                <a:cs typeface="+mn-lt"/>
-              </a:rPr>
-              <a:t>no</a:t>
-            </a:r>
-            <a:r>
-              <a:rPr lang="de-DE" dirty="0">
-                <a:solidFill>
-                  <a:schemeClr val="bg1"/>
-                </a:solidFill>
-                <a:ea typeface="+mn-lt"/>
-                <a:cs typeface="+mn-lt"/>
-              </a:rPr>
-              <a:t> </a:t>
-            </a:r>
-            <a:r>
-              <a:rPr lang="de-DE" dirty="0" err="1">
-                <a:solidFill>
-                  <a:schemeClr val="bg1"/>
-                </a:solidFill>
-                <a:ea typeface="+mn-lt"/>
-                <a:cs typeface="+mn-lt"/>
-              </a:rPr>
-              <a:t>comportamento</a:t>
-            </a:r>
-            <a:r>
-              <a:rPr lang="de-DE" dirty="0">
-                <a:solidFill>
-                  <a:schemeClr val="bg1"/>
-                </a:solidFill>
-                <a:ea typeface="+mn-lt"/>
-                <a:cs typeface="+mn-lt"/>
-              </a:rPr>
-              <a:t> do </a:t>
-            </a:r>
-            <a:r>
-              <a:rPr lang="de-DE" dirty="0" err="1">
-                <a:solidFill>
-                  <a:schemeClr val="bg1"/>
-                </a:solidFill>
-                <a:ea typeface="+mn-lt"/>
-                <a:cs typeface="+mn-lt"/>
-              </a:rPr>
-              <a:t>sistema</a:t>
-            </a:r>
-            <a:r>
-              <a:rPr lang="de-DE" dirty="0">
-                <a:solidFill>
-                  <a:schemeClr val="bg1"/>
-                </a:solidFill>
-                <a:ea typeface="+mn-lt"/>
-                <a:cs typeface="+mn-lt"/>
-              </a:rPr>
-              <a:t> </a:t>
-            </a:r>
-            <a:r>
-              <a:rPr lang="de-DE" dirty="0" err="1">
-                <a:solidFill>
-                  <a:schemeClr val="bg1"/>
-                </a:solidFill>
-                <a:ea typeface="+mn-lt"/>
-                <a:cs typeface="+mn-lt"/>
-              </a:rPr>
-              <a:t>pode</a:t>
-            </a:r>
-            <a:r>
-              <a:rPr lang="de-DE" dirty="0">
-                <a:solidFill>
-                  <a:schemeClr val="bg1"/>
-                </a:solidFill>
-                <a:ea typeface="+mn-lt"/>
-                <a:cs typeface="+mn-lt"/>
-              </a:rPr>
-              <a:t> </a:t>
-            </a:r>
-            <a:r>
-              <a:rPr lang="de-DE" dirty="0" err="1">
-                <a:solidFill>
-                  <a:schemeClr val="bg1"/>
-                </a:solidFill>
-                <a:ea typeface="+mn-lt"/>
-                <a:cs typeface="+mn-lt"/>
-              </a:rPr>
-              <a:t>ser</a:t>
-            </a:r>
-            <a:r>
-              <a:rPr lang="de-DE" dirty="0">
-                <a:solidFill>
-                  <a:schemeClr val="bg1"/>
-                </a:solidFill>
-                <a:ea typeface="+mn-lt"/>
-                <a:cs typeface="+mn-lt"/>
-              </a:rPr>
-              <a:t> </a:t>
-            </a:r>
-            <a:r>
-              <a:rPr lang="de-DE" dirty="0" err="1">
-                <a:solidFill>
-                  <a:schemeClr val="bg1"/>
-                </a:solidFill>
-                <a:ea typeface="+mn-lt"/>
-                <a:cs typeface="+mn-lt"/>
-              </a:rPr>
-              <a:t>estudado</a:t>
-            </a:r>
-            <a:r>
-              <a:rPr lang="de-DE" dirty="0">
-                <a:solidFill>
-                  <a:schemeClr val="bg1"/>
-                </a:solidFill>
-                <a:ea typeface="+mn-lt"/>
-                <a:cs typeface="+mn-lt"/>
-              </a:rPr>
-              <a:t> </a:t>
-            </a:r>
-            <a:r>
-              <a:rPr lang="de-DE" dirty="0" err="1">
-                <a:solidFill>
-                  <a:schemeClr val="bg1"/>
-                </a:solidFill>
-                <a:ea typeface="+mn-lt"/>
-                <a:cs typeface="+mn-lt"/>
-              </a:rPr>
-              <a:t>quando</a:t>
-            </a:r>
-            <a:r>
-              <a:rPr lang="de-DE" dirty="0">
-                <a:solidFill>
-                  <a:schemeClr val="bg1"/>
-                </a:solidFill>
-                <a:ea typeface="+mn-lt"/>
-                <a:cs typeface="+mn-lt"/>
-              </a:rPr>
-              <a:t> </a:t>
-            </a:r>
-            <a:r>
-              <a:rPr lang="de-DE" dirty="0" err="1">
-                <a:solidFill>
-                  <a:schemeClr val="bg1"/>
-                </a:solidFill>
-                <a:ea typeface="+mn-lt"/>
-                <a:cs typeface="+mn-lt"/>
-              </a:rPr>
-              <a:t>exposto</a:t>
-            </a:r>
-            <a:r>
-              <a:rPr lang="de-DE" dirty="0">
-                <a:solidFill>
-                  <a:schemeClr val="bg1"/>
-                </a:solidFill>
-                <a:ea typeface="+mn-lt"/>
-                <a:cs typeface="+mn-lt"/>
-              </a:rPr>
-              <a:t> a um </a:t>
-            </a:r>
-            <a:r>
-              <a:rPr lang="de-DE" dirty="0" err="1">
-                <a:solidFill>
-                  <a:schemeClr val="bg1"/>
-                </a:solidFill>
-                <a:ea typeface="+mn-lt"/>
-                <a:cs typeface="+mn-lt"/>
-              </a:rPr>
-              <a:t>grande</a:t>
-            </a:r>
-            <a:r>
-              <a:rPr lang="de-DE" dirty="0">
-                <a:solidFill>
-                  <a:schemeClr val="bg1"/>
-                </a:solidFill>
-                <a:ea typeface="+mn-lt"/>
-                <a:cs typeface="+mn-lt"/>
-              </a:rPr>
-              <a:t> </a:t>
-            </a:r>
-            <a:r>
-              <a:rPr lang="de-DE" dirty="0" err="1">
-                <a:solidFill>
-                  <a:schemeClr val="bg1"/>
-                </a:solidFill>
-                <a:ea typeface="+mn-lt"/>
-                <a:cs typeface="+mn-lt"/>
-              </a:rPr>
-              <a:t>volume</a:t>
-            </a:r>
-            <a:r>
-              <a:rPr lang="de-DE" dirty="0">
-                <a:solidFill>
-                  <a:schemeClr val="bg1"/>
-                </a:solidFill>
-                <a:ea typeface="+mn-lt"/>
-                <a:cs typeface="+mn-lt"/>
-              </a:rPr>
-              <a:t> de </a:t>
-            </a:r>
-            <a:r>
-              <a:rPr lang="de-DE" dirty="0" err="1">
-                <a:solidFill>
-                  <a:schemeClr val="bg1"/>
-                </a:solidFill>
-                <a:ea typeface="+mn-lt"/>
-                <a:cs typeface="+mn-lt"/>
-              </a:rPr>
-              <a:t>dados</a:t>
-            </a:r>
-            <a:r>
-              <a:rPr lang="de-DE" dirty="0">
-                <a:solidFill>
-                  <a:schemeClr val="bg1"/>
-                </a:solidFill>
-                <a:ea typeface="+mn-lt"/>
-                <a:cs typeface="+mn-lt"/>
-              </a:rPr>
-              <a:t>.</a:t>
+              <a:t>Ajuda a identificar gargalos e limitações do software.</a:t>
             </a:r>
             <a:endParaRPr lang="de-DE" dirty="0">
               <a:solidFill>
@@ -8356,1420 +8122,78 @@
           <a:lstStyle/>
           <a:p>
             <a:r>
-              <a:rPr lang="de-DE" sz="1600" dirty="0">
+              <a:rPr lang="pt-BR" sz="2800" dirty="0">
                 <a:solidFill>
-                  <a:srgbClr val="FFFFFF"/>
+                  <a:schemeClr val="bg1"/>
                 </a:solidFill>
-                <a:ea typeface="+mn-lt"/>
-                <a:cs typeface="+mn-lt"/>
               </a:rPr>
-              <a:t>Teste </a:t>
-            </a:r>
-            <a:r>
-              <a:rPr lang="de-DE" sz="1600" dirty="0" err="1">
+              <a:t>O teste de volume verifica perda de dados e tempo de resposta do sistema.</a:t>
+            </a:r>
+            <a:br>
+              <a:rPr lang="pt-BR" sz="2800" dirty="0">
                 <a:solidFill>
-                  <a:srgbClr val="FFFFFF"/>
+                  <a:schemeClr val="bg1"/>
                 </a:solidFill>
-                <a:ea typeface="+mn-lt"/>
-                <a:cs typeface="+mn-lt"/>
               </a:rPr>
-              <a:t>para</a:t>
-            </a:r>
-            <a:r>
-              <a:rPr lang="de-DE" sz="1600" dirty="0">
+            </a:br>
+            <a:r>
+              <a:rPr lang="pt-BR" sz="2800" dirty="0">
                 <a:solidFill>
-                  <a:srgbClr val="FFFFFF"/>
+                  <a:schemeClr val="bg1"/>
                 </a:solidFill>
-                <a:ea typeface="+mn-lt"/>
-                <a:cs typeface="+mn-lt"/>
               </a:rPr>
-              <a:t> </a:t>
-            </a:r>
-            <a:r>
-              <a:rPr lang="de-DE" sz="1600" dirty="0" err="1">
+              <a:t>Avalia armazenamento correto e substituição de informações sem aviso.</a:t>
+            </a:r>
+            <a:br>
+              <a:rPr lang="pt-BR" sz="2800" dirty="0">
                 <a:solidFill>
-                  <a:srgbClr val="FFFFFF"/>
+                  <a:schemeClr val="bg1"/>
                 </a:solidFill>
-                <a:ea typeface="+mn-lt"/>
-                <a:cs typeface="+mn-lt"/>
               </a:rPr>
-              <a:t>verificar</a:t>
-            </a:r>
-            <a:r>
-              <a:rPr lang="de-DE" sz="1600" dirty="0">
+            </a:br>
+            <a:r>
+              <a:rPr lang="pt-BR" sz="2800" dirty="0">
                 <a:solidFill>
-                  <a:srgbClr val="FFFFFF"/>
+                  <a:schemeClr val="bg1"/>
                 </a:solidFill>
-                <a:ea typeface="+mn-lt"/>
-                <a:cs typeface="+mn-lt"/>
               </a:rPr>
-              <a:t> se </a:t>
-            </a:r>
-            <a:r>
-              <a:rPr lang="de-DE" sz="1600" dirty="0" err="1">
+              <a:t>Analisa mensagens de erro, velocidade de processamento e uso de memória.</a:t>
+            </a:r>
+            <a:br>
+              <a:rPr lang="pt-BR" sz="2800" dirty="0">
                 <a:solidFill>
-                  <a:srgbClr val="FFFFFF"/>
+                  <a:schemeClr val="bg1"/>
                 </a:solidFill>
-                <a:ea typeface="+mn-lt"/>
-                <a:cs typeface="+mn-lt"/>
               </a:rPr>
-              <a:t>há</a:t>
-            </a:r>
-            <a:r>
-              <a:rPr lang="de-DE" sz="1600" dirty="0">
+            </a:br>
+            <a:r>
+              <a:rPr lang="pt-BR" sz="2800" dirty="0">
                 <a:solidFill>
-                  <a:srgbClr val="FFFFFF"/>
+                  <a:schemeClr val="bg1"/>
                 </a:solidFill>
-                <a:ea typeface="+mn-lt"/>
-                <a:cs typeface="+mn-lt"/>
               </a:rPr>
-              <a:t> </a:t>
-            </a:r>
-            <a:r>
-              <a:rPr lang="de-DE" sz="1600" dirty="0" err="1">
+              <a:t>Garante que o sistema </a:t>
+            </a:r>
+            <a:r>
+              <a:rPr lang="pt-BR" sz="2800" u="sng" dirty="0">
                 <a:solidFill>
-                  <a:srgbClr val="FFFFFF"/>
+                  <a:schemeClr val="bg1"/>
                 </a:solidFill>
-                <a:ea typeface="+mn-lt"/>
-                <a:cs typeface="+mn-lt"/>
               </a:rPr>
-              <a:t>alguma</a:t>
-            </a:r>
-            <a:r>
-              <a:rPr lang="de-DE" sz="1600" dirty="0">
+              <a:t>suporte</a:t>
+            </a:r>
+            <a:r>
+              <a:rPr lang="pt-BR" sz="2800" dirty="0">
                 <a:solidFill>
-                  <a:srgbClr val="FFFFFF"/>
+                  <a:schemeClr val="bg1"/>
                 </a:solidFill>
-                <a:ea typeface="+mn-lt"/>
-                <a:cs typeface="+mn-lt"/>
               </a:rPr>
-              <a:t> </a:t>
-            </a:r>
-            <a:r>
-              <a:rPr lang="de-DE" sz="1600" dirty="0" err="1">
-                <a:solidFill>
-                  <a:srgbClr val="FFFFFF"/>
-                </a:solidFill>
-                <a:ea typeface="+mn-lt"/>
-                <a:cs typeface="+mn-lt"/>
-              </a:rPr>
-              <a:t>perda</a:t>
-            </a:r>
-            <a:r>
-              <a:rPr lang="de-DE" sz="1600" dirty="0">
-                <a:solidFill>
-                  <a:srgbClr val="FFFFFF"/>
-                </a:solidFill>
-                <a:ea typeface="+mn-lt"/>
-                <a:cs typeface="+mn-lt"/>
-              </a:rPr>
-              <a:t> de </a:t>
-            </a:r>
-            <a:r>
-              <a:rPr lang="de-DE" sz="1600" dirty="0" err="1">
-                <a:solidFill>
-                  <a:srgbClr val="FFFFFF"/>
-                </a:solidFill>
-                <a:ea typeface="+mn-lt"/>
-                <a:cs typeface="+mn-lt"/>
-              </a:rPr>
-              <a:t>dados</a:t>
-            </a:r>
-            <a:endParaRPr lang="de-DE" sz="1600">
-              <a:ea typeface="Calibri"/>
-              <a:cs typeface="Calibri"/>
-            </a:endParaRPr>
-          </a:p>
-          <a:p>
-            <a:r>
-              <a:rPr lang="de-DE" sz="1600" dirty="0" err="1">
-                <a:solidFill>
-                  <a:srgbClr val="FFFFFF"/>
-                </a:solidFill>
-                <a:ea typeface="+mn-lt"/>
-                <a:cs typeface="+mn-lt"/>
-              </a:rPr>
-              <a:t>Verifique</a:t>
-            </a:r>
-            <a:r>
-              <a:rPr lang="de-DE" sz="1600" dirty="0">
-                <a:solidFill>
-                  <a:srgbClr val="FFFFFF"/>
-                </a:solidFill>
-                <a:ea typeface="+mn-lt"/>
-                <a:cs typeface="+mn-lt"/>
-              </a:rPr>
-              <a:t> o tempo de </a:t>
-            </a:r>
-            <a:r>
-              <a:rPr lang="de-DE" sz="1600" dirty="0" err="1">
-                <a:solidFill>
-                  <a:srgbClr val="FFFFFF"/>
-                </a:solidFill>
-                <a:ea typeface="+mn-lt"/>
-                <a:cs typeface="+mn-lt"/>
-              </a:rPr>
-              <a:t>resposta</a:t>
-            </a:r>
-            <a:r>
-              <a:rPr lang="de-DE" sz="1600" dirty="0">
-                <a:solidFill>
-                  <a:srgbClr val="FFFFFF"/>
-                </a:solidFill>
-                <a:ea typeface="+mn-lt"/>
-                <a:cs typeface="+mn-lt"/>
-              </a:rPr>
-              <a:t> do </a:t>
-            </a:r>
-            <a:r>
-              <a:rPr lang="de-DE" sz="1600" dirty="0" err="1">
-                <a:solidFill>
-                  <a:srgbClr val="FFFFFF"/>
-                </a:solidFill>
-                <a:ea typeface="+mn-lt"/>
-                <a:cs typeface="+mn-lt"/>
-              </a:rPr>
-              <a:t>sistema</a:t>
-            </a:r>
-            <a:endParaRPr lang="de-DE" sz="1600">
-              <a:ea typeface="Calibri"/>
-              <a:cs typeface="Calibri"/>
-            </a:endParaRPr>
-          </a:p>
-          <a:p>
-            <a:r>
-              <a:rPr lang="de-DE" sz="1600" dirty="0" err="1">
-                <a:solidFill>
-                  <a:srgbClr val="FFFFFF"/>
-                </a:solidFill>
-                <a:ea typeface="+mn-lt"/>
-                <a:cs typeface="+mn-lt"/>
-              </a:rPr>
-              <a:t>Verifique</a:t>
-            </a:r>
-            <a:r>
-              <a:rPr lang="de-DE" sz="1600" dirty="0">
-                <a:solidFill>
-                  <a:srgbClr val="FFFFFF"/>
-                </a:solidFill>
-                <a:ea typeface="+mn-lt"/>
-                <a:cs typeface="+mn-lt"/>
-              </a:rPr>
-              <a:t> se </a:t>
-            </a:r>
-            <a:r>
-              <a:rPr lang="de-DE" sz="1600" dirty="0" err="1">
-                <a:solidFill>
-                  <a:srgbClr val="FFFFFF"/>
-                </a:solidFill>
-                <a:ea typeface="+mn-lt"/>
-                <a:cs typeface="+mn-lt"/>
-              </a:rPr>
-              <a:t>os</a:t>
-            </a:r>
-            <a:r>
-              <a:rPr lang="de-DE" sz="1600" dirty="0">
-                <a:solidFill>
-                  <a:srgbClr val="FFFFFF"/>
-                </a:solidFill>
-                <a:ea typeface="+mn-lt"/>
-                <a:cs typeface="+mn-lt"/>
-              </a:rPr>
-              <a:t> </a:t>
-            </a:r>
-            <a:r>
-              <a:rPr lang="de-DE" sz="1600" dirty="0" err="1">
-                <a:solidFill>
-                  <a:srgbClr val="FFFFFF"/>
-                </a:solidFill>
-                <a:ea typeface="+mn-lt"/>
-                <a:cs typeface="+mn-lt"/>
-              </a:rPr>
-              <a:t>dados</a:t>
-            </a:r>
-            <a:r>
-              <a:rPr lang="de-DE" sz="1600" dirty="0">
-                <a:solidFill>
-                  <a:srgbClr val="FFFFFF"/>
-                </a:solidFill>
-                <a:ea typeface="+mn-lt"/>
-                <a:cs typeface="+mn-lt"/>
-              </a:rPr>
-              <a:t> </a:t>
-            </a:r>
-            <a:r>
-              <a:rPr lang="de-DE" sz="1600" dirty="0" err="1">
-                <a:solidFill>
-                  <a:srgbClr val="FFFFFF"/>
-                </a:solidFill>
-                <a:ea typeface="+mn-lt"/>
-                <a:cs typeface="+mn-lt"/>
-              </a:rPr>
-              <a:t>estão</a:t>
-            </a:r>
-            <a:r>
-              <a:rPr lang="de-DE" sz="1600" dirty="0">
-                <a:solidFill>
-                  <a:srgbClr val="FFFFFF"/>
-                </a:solidFill>
-                <a:ea typeface="+mn-lt"/>
-                <a:cs typeface="+mn-lt"/>
-              </a:rPr>
-              <a:t> </a:t>
-            </a:r>
-            <a:r>
-              <a:rPr lang="de-DE" sz="1600" dirty="0" err="1">
-                <a:solidFill>
-                  <a:srgbClr val="FFFFFF"/>
-                </a:solidFill>
-                <a:ea typeface="+mn-lt"/>
-                <a:cs typeface="+mn-lt"/>
-              </a:rPr>
-              <a:t>armazenados</a:t>
-            </a:r>
-            <a:r>
-              <a:rPr lang="de-DE" sz="1600" dirty="0">
-                <a:solidFill>
-                  <a:srgbClr val="FFFFFF"/>
-                </a:solidFill>
-                <a:ea typeface="+mn-lt"/>
-                <a:cs typeface="+mn-lt"/>
-              </a:rPr>
-              <a:t> </a:t>
-            </a:r>
-            <a:r>
-              <a:rPr lang="de-DE" sz="1600" dirty="0" err="1">
-                <a:solidFill>
-                  <a:srgbClr val="FFFFFF"/>
-                </a:solidFill>
-                <a:ea typeface="+mn-lt"/>
-                <a:cs typeface="+mn-lt"/>
-              </a:rPr>
-              <a:t>corretamente</a:t>
-            </a:r>
-            <a:r>
-              <a:rPr lang="de-DE" sz="1600" dirty="0">
-                <a:solidFill>
-                  <a:srgbClr val="FFFFFF"/>
-                </a:solidFill>
-                <a:ea typeface="+mn-lt"/>
-                <a:cs typeface="+mn-lt"/>
-              </a:rPr>
-              <a:t> </a:t>
-            </a:r>
-            <a:r>
-              <a:rPr lang="de-DE" sz="1600" dirty="0" err="1">
-                <a:solidFill>
-                  <a:srgbClr val="FFFFFF"/>
-                </a:solidFill>
-                <a:ea typeface="+mn-lt"/>
-                <a:cs typeface="+mn-lt"/>
-              </a:rPr>
-              <a:t>ou</a:t>
-            </a:r>
-            <a:r>
-              <a:rPr lang="de-DE" sz="1600" dirty="0">
-                <a:solidFill>
-                  <a:srgbClr val="FFFFFF"/>
-                </a:solidFill>
-                <a:ea typeface="+mn-lt"/>
-                <a:cs typeface="+mn-lt"/>
-              </a:rPr>
-              <a:t> </a:t>
-            </a:r>
-            <a:r>
-              <a:rPr lang="de-DE" sz="1600" dirty="0" err="1">
-                <a:solidFill>
-                  <a:srgbClr val="FFFFFF"/>
-                </a:solidFill>
-                <a:ea typeface="+mn-lt"/>
-                <a:cs typeface="+mn-lt"/>
-              </a:rPr>
-              <a:t>não</a:t>
-            </a:r>
-            <a:endParaRPr lang="de-DE" sz="1600">
-              <a:ea typeface="Calibri"/>
-              <a:cs typeface="Calibri"/>
-            </a:endParaRPr>
-          </a:p>
-          <a:p>
-            <a:r>
-              <a:rPr lang="de-DE" sz="1600" dirty="0" err="1">
-                <a:solidFill>
-                  <a:srgbClr val="FFFFFF"/>
-                </a:solidFill>
-                <a:ea typeface="+mn-lt"/>
-                <a:cs typeface="+mn-lt"/>
-              </a:rPr>
-              <a:t>Verifique</a:t>
-            </a:r>
-            <a:r>
-              <a:rPr lang="de-DE" sz="1600" dirty="0">
-                <a:solidFill>
-                  <a:srgbClr val="FFFFFF"/>
-                </a:solidFill>
-                <a:ea typeface="+mn-lt"/>
-                <a:cs typeface="+mn-lt"/>
-              </a:rPr>
-              <a:t> se </a:t>
-            </a:r>
-            <a:r>
-              <a:rPr lang="de-DE" sz="1600" dirty="0" err="1">
-                <a:solidFill>
-                  <a:srgbClr val="FFFFFF"/>
-                </a:solidFill>
-                <a:ea typeface="+mn-lt"/>
-                <a:cs typeface="+mn-lt"/>
-              </a:rPr>
-              <a:t>os</a:t>
-            </a:r>
-            <a:r>
-              <a:rPr lang="de-DE" sz="1600" dirty="0">
-                <a:solidFill>
-                  <a:srgbClr val="FFFFFF"/>
-                </a:solidFill>
-                <a:ea typeface="+mn-lt"/>
-                <a:cs typeface="+mn-lt"/>
-              </a:rPr>
-              <a:t> </a:t>
-            </a:r>
-            <a:r>
-              <a:rPr lang="de-DE" sz="1600" dirty="0" err="1">
-                <a:solidFill>
-                  <a:srgbClr val="FFFFFF"/>
-                </a:solidFill>
-                <a:ea typeface="+mn-lt"/>
-                <a:cs typeface="+mn-lt"/>
-              </a:rPr>
-              <a:t>dados</a:t>
-            </a:r>
-            <a:r>
-              <a:rPr lang="de-DE" sz="1600" dirty="0">
-                <a:solidFill>
-                  <a:srgbClr val="FFFFFF"/>
-                </a:solidFill>
-                <a:ea typeface="+mn-lt"/>
-                <a:cs typeface="+mn-lt"/>
-              </a:rPr>
-              <a:t> </a:t>
-            </a:r>
-            <a:r>
-              <a:rPr lang="de-DE" sz="1600" dirty="0" err="1">
-                <a:solidFill>
-                  <a:srgbClr val="FFFFFF"/>
-                </a:solidFill>
-                <a:ea typeface="+mn-lt"/>
-                <a:cs typeface="+mn-lt"/>
-              </a:rPr>
-              <a:t>foram</a:t>
-            </a:r>
-            <a:r>
-              <a:rPr lang="de-DE" sz="1600" dirty="0">
-                <a:solidFill>
-                  <a:srgbClr val="FFFFFF"/>
-                </a:solidFill>
-                <a:ea typeface="+mn-lt"/>
-                <a:cs typeface="+mn-lt"/>
-              </a:rPr>
-              <a:t> </a:t>
-            </a:r>
-            <a:r>
-              <a:rPr lang="de-DE" sz="1600" dirty="0" err="1">
-                <a:solidFill>
-                  <a:srgbClr val="FFFFFF"/>
-                </a:solidFill>
-                <a:ea typeface="+mn-lt"/>
-                <a:cs typeface="+mn-lt"/>
-              </a:rPr>
-              <a:t>substituídos</a:t>
-            </a:r>
-            <a:r>
-              <a:rPr lang="de-DE" sz="1600" dirty="0">
-                <a:solidFill>
-                  <a:srgbClr val="FFFFFF"/>
-                </a:solidFill>
-                <a:ea typeface="+mn-lt"/>
-                <a:cs typeface="+mn-lt"/>
-              </a:rPr>
-              <a:t> </a:t>
-            </a:r>
-            <a:r>
-              <a:rPr lang="de-DE" sz="1600" dirty="0" err="1">
-                <a:solidFill>
-                  <a:srgbClr val="FFFFFF"/>
-                </a:solidFill>
-                <a:ea typeface="+mn-lt"/>
-                <a:cs typeface="+mn-lt"/>
-              </a:rPr>
-              <a:t>sem</a:t>
-            </a:r>
-            <a:r>
-              <a:rPr lang="de-DE" sz="1600" dirty="0">
-                <a:solidFill>
-                  <a:srgbClr val="FFFFFF"/>
-                </a:solidFill>
-                <a:ea typeface="+mn-lt"/>
-                <a:cs typeface="+mn-lt"/>
-              </a:rPr>
-              <a:t> </a:t>
-            </a:r>
-            <a:r>
-              <a:rPr lang="de-DE" sz="1600" dirty="0" err="1">
-                <a:solidFill>
-                  <a:srgbClr val="FFFFFF"/>
-                </a:solidFill>
-                <a:ea typeface="+mn-lt"/>
-                <a:cs typeface="+mn-lt"/>
-              </a:rPr>
-              <a:t>qualquer</a:t>
-            </a:r>
-            <a:r>
-              <a:rPr lang="de-DE" sz="1600" dirty="0">
-                <a:solidFill>
-                  <a:srgbClr val="FFFFFF"/>
-                </a:solidFill>
-                <a:ea typeface="+mn-lt"/>
-                <a:cs typeface="+mn-lt"/>
-              </a:rPr>
-              <a:t> </a:t>
-            </a:r>
-            <a:r>
-              <a:rPr lang="de-DE" sz="1600" dirty="0" err="1">
-                <a:solidFill>
-                  <a:srgbClr val="FFFFFF"/>
-                </a:solidFill>
-                <a:ea typeface="+mn-lt"/>
-                <a:cs typeface="+mn-lt"/>
-              </a:rPr>
-              <a:t>notificação</a:t>
-            </a:r>
-            <a:endParaRPr lang="de-DE" sz="1600">
-              <a:ea typeface="Calibri"/>
-              <a:cs typeface="Calibri"/>
-            </a:endParaRPr>
-          </a:p>
-          <a:p>
-            <a:r>
-              <a:rPr lang="de-DE" sz="1600" dirty="0" err="1">
-                <a:solidFill>
-                  <a:srgbClr val="FFFFFF"/>
-                </a:solidFill>
-                <a:ea typeface="+mn-lt"/>
-                <a:cs typeface="+mn-lt"/>
-              </a:rPr>
-              <a:t>Verifique</a:t>
-            </a:r>
-            <a:r>
-              <a:rPr lang="de-DE" sz="1600" dirty="0">
-                <a:solidFill>
-                  <a:srgbClr val="FFFFFF"/>
-                </a:solidFill>
-                <a:ea typeface="+mn-lt"/>
-                <a:cs typeface="+mn-lt"/>
-              </a:rPr>
-              <a:t> se </a:t>
-            </a:r>
-            <a:r>
-              <a:rPr lang="de-DE" sz="1600" dirty="0" err="1">
-                <a:solidFill>
-                  <a:srgbClr val="FFFFFF"/>
-                </a:solidFill>
-                <a:ea typeface="+mn-lt"/>
-                <a:cs typeface="+mn-lt"/>
-              </a:rPr>
-              <a:t>há</a:t>
-            </a:r>
-            <a:r>
-              <a:rPr lang="de-DE" sz="1600" dirty="0">
-                <a:solidFill>
-                  <a:srgbClr val="FFFFFF"/>
-                </a:solidFill>
-                <a:ea typeface="+mn-lt"/>
-                <a:cs typeface="+mn-lt"/>
-              </a:rPr>
-              <a:t> </a:t>
-            </a:r>
-            <a:r>
-              <a:rPr lang="de-DE" sz="1600" dirty="0" err="1">
-                <a:solidFill>
-                  <a:srgbClr val="FFFFFF"/>
-                </a:solidFill>
-                <a:ea typeface="+mn-lt"/>
-                <a:cs typeface="+mn-lt"/>
-              </a:rPr>
-              <a:t>mensagens</a:t>
-            </a:r>
-            <a:r>
-              <a:rPr lang="de-DE" sz="1600" dirty="0">
-                <a:solidFill>
-                  <a:srgbClr val="FFFFFF"/>
-                </a:solidFill>
-                <a:ea typeface="+mn-lt"/>
-                <a:cs typeface="+mn-lt"/>
-              </a:rPr>
-              <a:t> de </a:t>
-            </a:r>
-            <a:r>
-              <a:rPr lang="de-DE" sz="1600" dirty="0" err="1">
-                <a:solidFill>
-                  <a:srgbClr val="FFFFFF"/>
-                </a:solidFill>
-                <a:ea typeface="+mn-lt"/>
-                <a:cs typeface="+mn-lt"/>
-              </a:rPr>
-              <a:t>aviso</a:t>
-            </a:r>
-            <a:r>
-              <a:rPr lang="de-DE" sz="1600" dirty="0">
-                <a:solidFill>
-                  <a:srgbClr val="FFFFFF"/>
-                </a:solidFill>
-                <a:ea typeface="+mn-lt"/>
-                <a:cs typeface="+mn-lt"/>
-              </a:rPr>
-              <a:t> e </a:t>
-            </a:r>
-            <a:r>
-              <a:rPr lang="de-DE" sz="1600" dirty="0" err="1">
-                <a:solidFill>
-                  <a:srgbClr val="FFFFFF"/>
-                </a:solidFill>
-                <a:ea typeface="+mn-lt"/>
-                <a:cs typeface="+mn-lt"/>
-              </a:rPr>
-              <a:t>erro</a:t>
-            </a:r>
-            <a:r>
-              <a:rPr lang="de-DE" sz="1600" dirty="0">
-                <a:solidFill>
-                  <a:srgbClr val="FFFFFF"/>
-                </a:solidFill>
-                <a:ea typeface="+mn-lt"/>
-                <a:cs typeface="+mn-lt"/>
-              </a:rPr>
-              <a:t>, se </a:t>
-            </a:r>
-            <a:r>
-              <a:rPr lang="de-DE" sz="1600" dirty="0" err="1">
-                <a:solidFill>
-                  <a:srgbClr val="FFFFFF"/>
-                </a:solidFill>
-                <a:ea typeface="+mn-lt"/>
-                <a:cs typeface="+mn-lt"/>
-              </a:rPr>
-              <a:t>há</a:t>
-            </a:r>
-            <a:r>
-              <a:rPr lang="de-DE" sz="1600" dirty="0">
-                <a:solidFill>
-                  <a:srgbClr val="FFFFFF"/>
-                </a:solidFill>
-                <a:ea typeface="+mn-lt"/>
-                <a:cs typeface="+mn-lt"/>
-              </a:rPr>
-              <a:t> </a:t>
-            </a:r>
-            <a:r>
-              <a:rPr lang="de-DE" sz="1600" dirty="0" err="1">
-                <a:solidFill>
-                  <a:srgbClr val="FFFFFF"/>
-                </a:solidFill>
-                <a:ea typeface="+mn-lt"/>
-                <a:cs typeface="+mn-lt"/>
-              </a:rPr>
-              <a:t>problemas</a:t>
-            </a:r>
-            <a:r>
-              <a:rPr lang="de-DE" sz="1600" dirty="0">
-                <a:solidFill>
-                  <a:srgbClr val="FFFFFF"/>
-                </a:solidFill>
-                <a:ea typeface="+mn-lt"/>
-                <a:cs typeface="+mn-lt"/>
-              </a:rPr>
-              <a:t> de </a:t>
-            </a:r>
-            <a:r>
-              <a:rPr lang="de-DE" sz="1600" dirty="0" err="1">
-                <a:solidFill>
-                  <a:srgbClr val="FFFFFF"/>
-                </a:solidFill>
-                <a:ea typeface="+mn-lt"/>
-                <a:cs typeface="+mn-lt"/>
-              </a:rPr>
-              <a:t>volume</a:t>
-            </a:r>
-            <a:endParaRPr lang="de-DE" sz="1600">
-              <a:ea typeface="Calibri"/>
-              <a:cs typeface="Calibri"/>
-            </a:endParaRPr>
-          </a:p>
-          <a:p>
-            <a:r>
-              <a:rPr lang="de-DE" sz="1600" dirty="0" err="1">
-                <a:solidFill>
-                  <a:srgbClr val="FFFFFF"/>
-                </a:solidFill>
-                <a:ea typeface="+mn-lt"/>
-                <a:cs typeface="+mn-lt"/>
-              </a:rPr>
-              <a:t>Verifique</a:t>
-            </a:r>
-            <a:r>
-              <a:rPr lang="de-DE" sz="1600" dirty="0">
-                <a:solidFill>
-                  <a:srgbClr val="FFFFFF"/>
-                </a:solidFill>
-                <a:ea typeface="+mn-lt"/>
-                <a:cs typeface="+mn-lt"/>
-              </a:rPr>
-              <a:t> se o </a:t>
-            </a:r>
-            <a:r>
-              <a:rPr lang="de-DE" sz="1600" dirty="0" err="1">
-                <a:solidFill>
-                  <a:srgbClr val="FFFFFF"/>
-                </a:solidFill>
-                <a:ea typeface="+mn-lt"/>
-                <a:cs typeface="+mn-lt"/>
-              </a:rPr>
-              <a:t>alto</a:t>
-            </a:r>
-            <a:r>
-              <a:rPr lang="de-DE" sz="1600" dirty="0">
-                <a:solidFill>
-                  <a:srgbClr val="FFFFFF"/>
-                </a:solidFill>
-                <a:ea typeface="+mn-lt"/>
-                <a:cs typeface="+mn-lt"/>
-              </a:rPr>
-              <a:t> </a:t>
-            </a:r>
-            <a:r>
-              <a:rPr lang="de-DE" sz="1600" dirty="0" err="1">
-                <a:solidFill>
-                  <a:srgbClr val="FFFFFF"/>
-                </a:solidFill>
-                <a:ea typeface="+mn-lt"/>
-                <a:cs typeface="+mn-lt"/>
-              </a:rPr>
-              <a:t>volume</a:t>
-            </a:r>
-            <a:r>
-              <a:rPr lang="de-DE" sz="1600" dirty="0">
-                <a:solidFill>
-                  <a:srgbClr val="FFFFFF"/>
-                </a:solidFill>
-                <a:ea typeface="+mn-lt"/>
-                <a:cs typeface="+mn-lt"/>
-              </a:rPr>
-              <a:t> de </a:t>
-            </a:r>
-            <a:r>
-              <a:rPr lang="de-DE" sz="1600" dirty="0" err="1">
-                <a:solidFill>
-                  <a:srgbClr val="FFFFFF"/>
-                </a:solidFill>
-                <a:ea typeface="+mn-lt"/>
-                <a:cs typeface="+mn-lt"/>
-              </a:rPr>
-              <a:t>dados</a:t>
-            </a:r>
-            <a:r>
-              <a:rPr lang="de-DE" sz="1600" dirty="0">
-                <a:solidFill>
-                  <a:srgbClr val="FFFFFF"/>
-                </a:solidFill>
-                <a:ea typeface="+mn-lt"/>
-                <a:cs typeface="+mn-lt"/>
-              </a:rPr>
-              <a:t> </a:t>
-            </a:r>
-            <a:r>
-              <a:rPr lang="de-DE" sz="1600" dirty="0" err="1">
-                <a:solidFill>
-                  <a:srgbClr val="FFFFFF"/>
-                </a:solidFill>
-                <a:ea typeface="+mn-lt"/>
-                <a:cs typeface="+mn-lt"/>
-              </a:rPr>
-              <a:t>afeta</a:t>
-            </a:r>
-            <a:r>
-              <a:rPr lang="de-DE" sz="1600" dirty="0">
-                <a:solidFill>
-                  <a:srgbClr val="FFFFFF"/>
-                </a:solidFill>
-                <a:ea typeface="+mn-lt"/>
-                <a:cs typeface="+mn-lt"/>
-              </a:rPr>
-              <a:t> a </a:t>
-            </a:r>
-            <a:r>
-              <a:rPr lang="de-DE" sz="1600" dirty="0" err="1">
-                <a:solidFill>
-                  <a:srgbClr val="FFFFFF"/>
-                </a:solidFill>
-                <a:ea typeface="+mn-lt"/>
-                <a:cs typeface="+mn-lt"/>
-              </a:rPr>
-              <a:t>velocidade</a:t>
-            </a:r>
-            <a:r>
-              <a:rPr lang="de-DE" sz="1600" dirty="0">
-                <a:solidFill>
-                  <a:srgbClr val="FFFFFF"/>
-                </a:solidFill>
-                <a:ea typeface="+mn-lt"/>
-                <a:cs typeface="+mn-lt"/>
-              </a:rPr>
-              <a:t> de </a:t>
-            </a:r>
-            <a:r>
-              <a:rPr lang="de-DE" sz="1600" dirty="0" err="1">
-                <a:solidFill>
-                  <a:srgbClr val="FFFFFF"/>
-                </a:solidFill>
-                <a:ea typeface="+mn-lt"/>
-                <a:cs typeface="+mn-lt"/>
-              </a:rPr>
-              <a:t>processamento</a:t>
-            </a:r>
-            <a:endParaRPr lang="de-DE" sz="1600">
-              <a:ea typeface="Calibri"/>
-              <a:cs typeface="Calibri"/>
-            </a:endParaRPr>
-          </a:p>
-          <a:p>
-            <a:r>
-              <a:rPr lang="de-DE" sz="1600" dirty="0">
-                <a:solidFill>
-                  <a:srgbClr val="FFFFFF"/>
-                </a:solidFill>
-                <a:ea typeface="+mn-lt"/>
-                <a:cs typeface="+mn-lt"/>
-              </a:rPr>
-              <a:t>O </a:t>
-            </a:r>
-            <a:r>
-              <a:rPr lang="de-DE" sz="1600" dirty="0" err="1">
-                <a:solidFill>
-                  <a:srgbClr val="FFFFFF"/>
-                </a:solidFill>
-                <a:ea typeface="+mn-lt"/>
-                <a:cs typeface="+mn-lt"/>
-              </a:rPr>
-              <a:t>sistema</a:t>
-            </a:r>
-            <a:r>
-              <a:rPr lang="de-DE" sz="1600" dirty="0">
-                <a:solidFill>
-                  <a:srgbClr val="FFFFFF"/>
-                </a:solidFill>
-                <a:ea typeface="+mn-lt"/>
-                <a:cs typeface="+mn-lt"/>
-              </a:rPr>
-              <a:t> </a:t>
-            </a:r>
-            <a:r>
-              <a:rPr lang="de-DE" sz="1600" dirty="0" err="1">
-                <a:solidFill>
-                  <a:srgbClr val="FFFFFF"/>
-                </a:solidFill>
-                <a:ea typeface="+mn-lt"/>
-                <a:cs typeface="+mn-lt"/>
-              </a:rPr>
-              <a:t>possui</a:t>
-            </a:r>
-            <a:r>
-              <a:rPr lang="de-DE" sz="1600" dirty="0">
-                <a:solidFill>
-                  <a:srgbClr val="FFFFFF"/>
-                </a:solidFill>
-                <a:ea typeface="+mn-lt"/>
-                <a:cs typeface="+mn-lt"/>
-              </a:rPr>
-              <a:t> </a:t>
-            </a:r>
-            <a:r>
-              <a:rPr lang="de-DE" sz="1600" dirty="0" err="1">
-                <a:solidFill>
-                  <a:srgbClr val="FFFFFF"/>
-                </a:solidFill>
-                <a:ea typeface="+mn-lt"/>
-                <a:cs typeface="+mn-lt"/>
-              </a:rPr>
-              <a:t>os</a:t>
-            </a:r>
-            <a:r>
-              <a:rPr lang="de-DE" sz="1600" dirty="0">
-                <a:solidFill>
-                  <a:srgbClr val="FFFFFF"/>
-                </a:solidFill>
-                <a:ea typeface="+mn-lt"/>
-                <a:cs typeface="+mn-lt"/>
-              </a:rPr>
-              <a:t> </a:t>
-            </a:r>
-            <a:r>
-              <a:rPr lang="de-DE" sz="1600" dirty="0" err="1">
-                <a:solidFill>
-                  <a:srgbClr val="FFFFFF"/>
-                </a:solidFill>
-                <a:ea typeface="+mn-lt"/>
-                <a:cs typeface="+mn-lt"/>
-              </a:rPr>
-              <a:t>recursos</a:t>
-            </a:r>
-            <a:r>
-              <a:rPr lang="de-DE" sz="1600" dirty="0">
-                <a:solidFill>
-                  <a:srgbClr val="FFFFFF"/>
-                </a:solidFill>
-                <a:ea typeface="+mn-lt"/>
-                <a:cs typeface="+mn-lt"/>
-              </a:rPr>
-              <a:t> de </a:t>
-            </a:r>
-            <a:r>
-              <a:rPr lang="de-DE" sz="1600" dirty="0" err="1">
-                <a:solidFill>
-                  <a:srgbClr val="FFFFFF"/>
-                </a:solidFill>
-                <a:ea typeface="+mn-lt"/>
-                <a:cs typeface="+mn-lt"/>
-              </a:rPr>
-              <a:t>memória</a:t>
-            </a:r>
-            <a:r>
-              <a:rPr lang="de-DE" sz="1600" dirty="0">
-                <a:solidFill>
-                  <a:srgbClr val="FFFFFF"/>
-                </a:solidFill>
-                <a:ea typeface="+mn-lt"/>
-                <a:cs typeface="+mn-lt"/>
-              </a:rPr>
-              <a:t> </a:t>
-            </a:r>
-            <a:r>
-              <a:rPr lang="de-DE" sz="1600" dirty="0" err="1">
-                <a:solidFill>
-                  <a:srgbClr val="FFFFFF"/>
-                </a:solidFill>
-                <a:ea typeface="+mn-lt"/>
-                <a:cs typeface="+mn-lt"/>
-              </a:rPr>
-              <a:t>necessários</a:t>
-            </a:r>
-            <a:endParaRPr lang="de-DE" sz="1600">
-              <a:ea typeface="Calibri"/>
-              <a:cs typeface="Calibri"/>
-            </a:endParaRPr>
-          </a:p>
-          <a:p>
-            <a:r>
-              <a:rPr lang="de-DE" sz="1600" dirty="0">
-                <a:solidFill>
-                  <a:srgbClr val="FFFFFF"/>
-                </a:solidFill>
-                <a:ea typeface="+mn-lt"/>
-                <a:cs typeface="+mn-lt"/>
-              </a:rPr>
-              <a:t>O teste de </a:t>
-            </a:r>
-            <a:r>
-              <a:rPr lang="de-DE" sz="1600" dirty="0" err="1">
-                <a:solidFill>
-                  <a:srgbClr val="FFFFFF"/>
-                </a:solidFill>
-                <a:ea typeface="+mn-lt"/>
-                <a:cs typeface="+mn-lt"/>
-              </a:rPr>
-              <a:t>volume</a:t>
-            </a:r>
-            <a:r>
-              <a:rPr lang="de-DE" sz="1600" dirty="0">
-                <a:solidFill>
-                  <a:srgbClr val="FFFFFF"/>
-                </a:solidFill>
-                <a:ea typeface="+mn-lt"/>
-                <a:cs typeface="+mn-lt"/>
-              </a:rPr>
-              <a:t> é </a:t>
-            </a:r>
-            <a:r>
-              <a:rPr lang="de-DE" sz="1600" dirty="0" err="1">
-                <a:solidFill>
-                  <a:srgbClr val="FFFFFF"/>
-                </a:solidFill>
-                <a:ea typeface="+mn-lt"/>
-                <a:cs typeface="+mn-lt"/>
-              </a:rPr>
-              <a:t>executado</a:t>
-            </a:r>
-            <a:r>
-              <a:rPr lang="de-DE" sz="1600" dirty="0">
-                <a:solidFill>
-                  <a:srgbClr val="FFFFFF"/>
-                </a:solidFill>
-                <a:ea typeface="+mn-lt"/>
-                <a:cs typeface="+mn-lt"/>
-              </a:rPr>
-              <a:t> </a:t>
-            </a:r>
-            <a:r>
-              <a:rPr lang="de-DE" sz="1600" dirty="0" err="1">
-                <a:solidFill>
-                  <a:srgbClr val="FFFFFF"/>
-                </a:solidFill>
-                <a:ea typeface="+mn-lt"/>
-                <a:cs typeface="+mn-lt"/>
-              </a:rPr>
-              <a:t>em</a:t>
-            </a:r>
-            <a:r>
-              <a:rPr lang="de-DE" sz="1600" dirty="0">
-                <a:solidFill>
-                  <a:srgbClr val="FFFFFF"/>
-                </a:solidFill>
-                <a:ea typeface="+mn-lt"/>
-                <a:cs typeface="+mn-lt"/>
-              </a:rPr>
-              <a:t> </a:t>
-            </a:r>
-            <a:r>
-              <a:rPr lang="de-DE" sz="1600" dirty="0" err="1">
-                <a:solidFill>
-                  <a:srgbClr val="FFFFFF"/>
-                </a:solidFill>
-                <a:ea typeface="+mn-lt"/>
-                <a:cs typeface="+mn-lt"/>
-              </a:rPr>
-              <a:t>todo</a:t>
-            </a:r>
-            <a:r>
-              <a:rPr lang="de-DE" sz="1600" dirty="0">
-                <a:solidFill>
-                  <a:srgbClr val="FFFFFF"/>
-                </a:solidFill>
-                <a:ea typeface="+mn-lt"/>
-                <a:cs typeface="+mn-lt"/>
-              </a:rPr>
-              <a:t> o </a:t>
-            </a:r>
-            <a:r>
-              <a:rPr lang="de-DE" sz="1600" dirty="0" err="1">
-                <a:solidFill>
-                  <a:srgbClr val="FFFFFF"/>
-                </a:solidFill>
-                <a:ea typeface="+mn-lt"/>
-                <a:cs typeface="+mn-lt"/>
-              </a:rPr>
-              <a:t>sistema</a:t>
-            </a:r>
-            <a:endParaRPr lang="de-DE" sz="1600">
-              <a:ea typeface="Calibri"/>
-              <a:cs typeface="Calibri"/>
-            </a:endParaRPr>
-          </a:p>
-          <a:p>
-            <a:r>
-              <a:rPr lang="de-DE" sz="1600" dirty="0" err="1">
-                <a:solidFill>
-                  <a:srgbClr val="FFFFFF"/>
-                </a:solidFill>
-                <a:ea typeface="+mn-lt"/>
-                <a:cs typeface="+mn-lt"/>
-              </a:rPr>
-              <a:t>Existe</a:t>
-            </a:r>
-            <a:r>
-              <a:rPr lang="de-DE" sz="1600" dirty="0">
-                <a:solidFill>
-                  <a:srgbClr val="FFFFFF"/>
-                </a:solidFill>
-                <a:ea typeface="+mn-lt"/>
-                <a:cs typeface="+mn-lt"/>
-              </a:rPr>
-              <a:t> </a:t>
-            </a:r>
-            <a:r>
-              <a:rPr lang="de-DE" sz="1600" dirty="0" err="1">
-                <a:solidFill>
-                  <a:srgbClr val="FFFFFF"/>
-                </a:solidFill>
-                <a:ea typeface="+mn-lt"/>
-                <a:cs typeface="+mn-lt"/>
-              </a:rPr>
-              <a:t>algum</a:t>
-            </a:r>
-            <a:r>
-              <a:rPr lang="de-DE" sz="1600" dirty="0">
-                <a:solidFill>
-                  <a:srgbClr val="FFFFFF"/>
-                </a:solidFill>
-                <a:ea typeface="+mn-lt"/>
-                <a:cs typeface="+mn-lt"/>
-              </a:rPr>
-              <a:t> </a:t>
-            </a:r>
-            <a:r>
-              <a:rPr lang="de-DE" sz="1600" dirty="0" err="1">
-                <a:solidFill>
-                  <a:srgbClr val="FFFFFF"/>
-                </a:solidFill>
-                <a:ea typeface="+mn-lt"/>
-                <a:cs typeface="+mn-lt"/>
-              </a:rPr>
-              <a:t>risco</a:t>
-            </a:r>
-            <a:r>
-              <a:rPr lang="de-DE" sz="1600" dirty="0">
-                <a:solidFill>
-                  <a:srgbClr val="FFFFFF"/>
-                </a:solidFill>
-                <a:ea typeface="+mn-lt"/>
-                <a:cs typeface="+mn-lt"/>
-              </a:rPr>
-              <a:t> se o </a:t>
-            </a:r>
-            <a:r>
-              <a:rPr lang="de-DE" sz="1600" dirty="0" err="1">
-                <a:solidFill>
-                  <a:srgbClr val="FFFFFF"/>
-                </a:solidFill>
-                <a:ea typeface="+mn-lt"/>
-                <a:cs typeface="+mn-lt"/>
-              </a:rPr>
-              <a:t>volume</a:t>
-            </a:r>
-            <a:r>
-              <a:rPr lang="de-DE" sz="1600" dirty="0">
-                <a:solidFill>
-                  <a:srgbClr val="FFFFFF"/>
-                </a:solidFill>
-                <a:ea typeface="+mn-lt"/>
-                <a:cs typeface="+mn-lt"/>
-              </a:rPr>
-              <a:t> de </a:t>
-            </a:r>
-            <a:r>
-              <a:rPr lang="de-DE" sz="1600" dirty="0" err="1">
-                <a:solidFill>
-                  <a:srgbClr val="FFFFFF"/>
-                </a:solidFill>
-                <a:ea typeface="+mn-lt"/>
-                <a:cs typeface="+mn-lt"/>
-              </a:rPr>
-              <a:t>dados</a:t>
-            </a:r>
-            <a:r>
-              <a:rPr lang="de-DE" sz="1600" dirty="0">
-                <a:solidFill>
-                  <a:srgbClr val="FFFFFF"/>
-                </a:solidFill>
-                <a:ea typeface="+mn-lt"/>
-                <a:cs typeface="+mn-lt"/>
-              </a:rPr>
-              <a:t> </a:t>
-            </a:r>
-            <a:r>
-              <a:rPr lang="de-DE" sz="1600" dirty="0" err="1">
-                <a:solidFill>
-                  <a:srgbClr val="FFFFFF"/>
-                </a:solidFill>
-                <a:ea typeface="+mn-lt"/>
-                <a:cs typeface="+mn-lt"/>
-              </a:rPr>
-              <a:t>for</a:t>
-            </a:r>
-            <a:r>
-              <a:rPr lang="de-DE" sz="1600" dirty="0">
-                <a:solidFill>
-                  <a:srgbClr val="FFFFFF"/>
-                </a:solidFill>
-                <a:ea typeface="+mn-lt"/>
-                <a:cs typeface="+mn-lt"/>
-              </a:rPr>
-              <a:t> </a:t>
-            </a:r>
-            <a:r>
-              <a:rPr lang="de-DE" sz="1600" dirty="0" err="1">
-                <a:solidFill>
-                  <a:srgbClr val="FFFFFF"/>
-                </a:solidFill>
-                <a:ea typeface="+mn-lt"/>
-                <a:cs typeface="+mn-lt"/>
-              </a:rPr>
-              <a:t>maior</a:t>
-            </a:r>
-            <a:r>
-              <a:rPr lang="de-DE" sz="1600" dirty="0">
-                <a:solidFill>
-                  <a:srgbClr val="FFFFFF"/>
-                </a:solidFill>
-                <a:ea typeface="+mn-lt"/>
-                <a:cs typeface="+mn-lt"/>
-              </a:rPr>
-              <a:t> </a:t>
-            </a:r>
-            <a:r>
-              <a:rPr lang="de-DE" sz="1600" dirty="0" err="1">
-                <a:solidFill>
-                  <a:srgbClr val="FFFFFF"/>
-                </a:solidFill>
-                <a:ea typeface="+mn-lt"/>
-                <a:cs typeface="+mn-lt"/>
-              </a:rPr>
-              <a:t>que</a:t>
-            </a:r>
-            <a:r>
-              <a:rPr lang="de-DE" sz="1600" dirty="0">
-                <a:solidFill>
-                  <a:srgbClr val="FFFFFF"/>
-                </a:solidFill>
-                <a:ea typeface="+mn-lt"/>
-                <a:cs typeface="+mn-lt"/>
-              </a:rPr>
-              <a:t> o </a:t>
-            </a:r>
-            <a:r>
-              <a:rPr lang="de-DE" sz="1600" dirty="0" err="1">
-                <a:solidFill>
-                  <a:srgbClr val="FFFFFF"/>
-                </a:solidFill>
-                <a:ea typeface="+mn-lt"/>
-                <a:cs typeface="+mn-lt"/>
-              </a:rPr>
-              <a:t>especificado</a:t>
-            </a:r>
-            <a:endParaRPr lang="de-DE" sz="1600">
-              <a:ea typeface="Calibri"/>
-              <a:cs typeface="Calibri"/>
-            </a:endParaRPr>
-          </a:p>
-          <a:p>
-            <a:r>
-              <a:rPr lang="de-DE" sz="1800" err="1">
-                <a:solidFill>
-                  <a:srgbClr val="FFFFFF"/>
-                </a:solidFill>
-                <a:ea typeface="+mn-lt"/>
-                <a:cs typeface="+mn-lt"/>
-              </a:rPr>
-              <a:t>Existe</a:t>
-            </a:r>
-            <a:r>
-              <a:rPr lang="de-DE" sz="1800" dirty="0">
-                <a:solidFill>
-                  <a:srgbClr val="FFFFFF"/>
-                </a:solidFill>
-                <a:ea typeface="+mn-lt"/>
-                <a:cs typeface="+mn-lt"/>
-              </a:rPr>
-              <a:t> </a:t>
-            </a:r>
-            <a:r>
-              <a:rPr lang="de-DE" sz="1800" err="1">
-                <a:solidFill>
-                  <a:srgbClr val="FFFFFF"/>
-                </a:solidFill>
-                <a:ea typeface="+mn-lt"/>
-                <a:cs typeface="+mn-lt"/>
-              </a:rPr>
-              <a:t>alguma</a:t>
-            </a:r>
-            <a:r>
-              <a:rPr lang="de-DE" sz="1800" dirty="0">
-                <a:solidFill>
-                  <a:srgbClr val="FFFFFF"/>
-                </a:solidFill>
-                <a:ea typeface="+mn-lt"/>
-                <a:cs typeface="+mn-lt"/>
-              </a:rPr>
-              <a:t> </a:t>
-            </a:r>
-            <a:r>
-              <a:rPr lang="de-DE" sz="1800" err="1">
-                <a:solidFill>
-                  <a:srgbClr val="FFFFFF"/>
-                </a:solidFill>
-                <a:ea typeface="+mn-lt"/>
-                <a:cs typeface="+mn-lt"/>
-              </a:rPr>
-              <a:t>garantia</a:t>
-            </a:r>
-            <a:r>
-              <a:rPr lang="de-DE" sz="1800" dirty="0">
-                <a:solidFill>
-                  <a:srgbClr val="FFFFFF"/>
-                </a:solidFill>
-                <a:ea typeface="+mn-lt"/>
-                <a:cs typeface="+mn-lt"/>
-              </a:rPr>
-              <a:t> de </a:t>
-            </a:r>
-            <a:r>
-              <a:rPr lang="de-DE" sz="1800" err="1">
-                <a:solidFill>
-                  <a:srgbClr val="FFFFFF"/>
-                </a:solidFill>
-                <a:ea typeface="+mn-lt"/>
-                <a:cs typeface="+mn-lt"/>
-              </a:rPr>
-              <a:t>que</a:t>
-            </a:r>
-            <a:r>
-              <a:rPr lang="de-DE" sz="1800" dirty="0">
-                <a:solidFill>
-                  <a:srgbClr val="FFFFFF"/>
-                </a:solidFill>
-                <a:ea typeface="+mn-lt"/>
-                <a:cs typeface="+mn-lt"/>
-              </a:rPr>
-              <a:t> </a:t>
-            </a:r>
-            <a:r>
-              <a:rPr lang="de-DE" sz="1800" err="1">
-                <a:solidFill>
-                  <a:srgbClr val="FFFFFF"/>
-                </a:solidFill>
-                <a:ea typeface="+mn-lt"/>
-                <a:cs typeface="+mn-lt"/>
-              </a:rPr>
-              <a:t>não</a:t>
-            </a:r>
-            <a:r>
-              <a:rPr lang="de-DE" sz="1800" dirty="0">
-                <a:solidFill>
-                  <a:srgbClr val="FFFFFF"/>
-                </a:solidFill>
-                <a:ea typeface="+mn-lt"/>
-                <a:cs typeface="+mn-lt"/>
-              </a:rPr>
-              <a:t> </a:t>
-            </a:r>
-            <a:r>
-              <a:rPr lang="de-DE" sz="1800" err="1">
-                <a:solidFill>
-                  <a:srgbClr val="FFFFFF"/>
-                </a:solidFill>
-                <a:ea typeface="+mn-lt"/>
-                <a:cs typeface="+mn-lt"/>
-              </a:rPr>
-              <a:t>ocorrerá</a:t>
-            </a:r>
-            <a:r>
-              <a:rPr lang="de-DE" sz="1800" dirty="0">
-                <a:solidFill>
-                  <a:srgbClr val="FFFFFF"/>
-                </a:solidFill>
-                <a:ea typeface="+mn-lt"/>
-                <a:cs typeface="+mn-lt"/>
-              </a:rPr>
-              <a:t> um </a:t>
-            </a:r>
-            <a:r>
-              <a:rPr lang="de-DE" sz="1800" err="1">
-                <a:solidFill>
-                  <a:srgbClr val="FFFFFF"/>
-                </a:solidFill>
-                <a:ea typeface="+mn-lt"/>
-                <a:cs typeface="+mn-lt"/>
-              </a:rPr>
-              <a:t>volume</a:t>
-            </a:r>
-            <a:r>
-              <a:rPr lang="de-DE" sz="1800" dirty="0">
-                <a:solidFill>
-                  <a:srgbClr val="FFFFFF"/>
-                </a:solidFill>
-                <a:ea typeface="+mn-lt"/>
-                <a:cs typeface="+mn-lt"/>
-              </a:rPr>
-              <a:t> de </a:t>
-            </a:r>
-            <a:r>
-              <a:rPr lang="de-DE" sz="1800" err="1">
-                <a:solidFill>
-                  <a:srgbClr val="FFFFFF"/>
-                </a:solidFill>
-                <a:ea typeface="+mn-lt"/>
-                <a:cs typeface="+mn-lt"/>
-              </a:rPr>
-              <a:t>data</a:t>
-            </a:r>
-            <a:r>
-              <a:rPr lang="de-DE" sz="1800" dirty="0">
-                <a:solidFill>
-                  <a:srgbClr val="FFFFFF"/>
-                </a:solidFill>
-                <a:ea typeface="+mn-lt"/>
-                <a:cs typeface="+mn-lt"/>
-              </a:rPr>
-              <a:t> </a:t>
-            </a:r>
-            <a:r>
-              <a:rPr lang="de-DE" sz="1800" err="1">
-                <a:solidFill>
-                  <a:srgbClr val="FFFFFF"/>
-                </a:solidFill>
-                <a:ea typeface="+mn-lt"/>
-                <a:cs typeface="+mn-lt"/>
-              </a:rPr>
-              <a:t>maior</a:t>
-            </a:r>
-            <a:r>
-              <a:rPr lang="de-DE" sz="1800" dirty="0">
-                <a:solidFill>
-                  <a:srgbClr val="FFFFFF"/>
-                </a:solidFill>
-                <a:ea typeface="+mn-lt"/>
-                <a:cs typeface="+mn-lt"/>
-              </a:rPr>
-              <a:t> do </a:t>
-            </a:r>
-            <a:r>
-              <a:rPr lang="de-DE" sz="1800" err="1">
-                <a:solidFill>
-                  <a:srgbClr val="FFFFFF"/>
-                </a:solidFill>
-                <a:ea typeface="+mn-lt"/>
-                <a:cs typeface="+mn-lt"/>
-              </a:rPr>
-              <a:t>que</a:t>
-            </a:r>
-            <a:r>
-              <a:rPr lang="de-DE" sz="1800" dirty="0">
-                <a:solidFill>
-                  <a:srgbClr val="FFFFFF"/>
-                </a:solidFill>
-                <a:ea typeface="+mn-lt"/>
-                <a:cs typeface="+mn-lt"/>
-              </a:rPr>
-              <a:t> </a:t>
-            </a:r>
-            <a:r>
-              <a:rPr lang="de-DE" sz="1600" dirty="0">
-                <a:solidFill>
-                  <a:srgbClr val="FFFFFF"/>
-                </a:solidFill>
-                <a:ea typeface="+mn-lt"/>
-                <a:cs typeface="+mn-lt"/>
-              </a:rPr>
-              <a:t>o </a:t>
-            </a:r>
-            <a:r>
-              <a:rPr lang="de-DE" sz="1600" err="1">
-                <a:solidFill>
-                  <a:srgbClr val="FFFFFF"/>
-                </a:solidFill>
-                <a:ea typeface="+mn-lt"/>
-                <a:cs typeface="+mn-lt"/>
-              </a:rPr>
-              <a:t>especificado</a:t>
-            </a:r>
-            <a:endParaRPr lang="de-DE" sz="1200" dirty="0" err="1">
+              <a:t> volumes de dados dentro dos limites especificados.</a:t>
+            </a:r>
+            <a:endParaRPr lang="de-DE" sz="2800" dirty="0">
+              <a:solidFill>
+                <a:schemeClr val="bg1"/>
+              </a:solidFill>
               <a:ea typeface="Calibri"/>
               <a:cs typeface="Calibri"/>
             </a:endParaRPr>
